--- a/challenge#6/Challenge6_Group4.pptx
+++ b/challenge#6/Challenge6_Group4.pptx
@@ -6501,6 +6501,12 @@
           <a:prstGeom prst="rect">
             <a:avLst/>
           </a:prstGeom>
+          <a:ln>
+            <a:noFill/>
+          </a:ln>
+          <a:effectLst>
+            <a:softEdge rad="112500"/>
+          </a:effectLst>
         </p:spPr>
       </p:pic>
       <p:sp>
@@ -7022,18 +7028,7 @@
                   </a:srgbClr>
                 </a:solidFill>
               </a:rPr>
-              <a:t> better </a:t>
-            </a:r>
-            <a:r>
-              <a:rPr lang="en-US" altLang="zh-CN" sz="1600" smtClean="0">
-                <a:solidFill>
-                  <a:srgbClr val="103154">
-                    <a:lumMod val="90000"/>
-                    <a:lumOff val="10000"/>
-                  </a:srgbClr>
-                </a:solidFill>
-              </a:rPr>
-              <a:t>response time</a:t>
+              <a:t> better response time</a:t>
             </a:r>
             <a:endParaRPr lang="en-US" altLang="zh-CN" sz="1600" dirty="0">
               <a:solidFill>

--- a/challenge#6/Challenge6_Group4.pptx
+++ b/challenge#6/Challenge6_Group4.pptx
@@ -7325,20 +7325,12 @@
               <a:t>Xbee's</a:t>
             </a:r>
             <a:r>
-              <a:rPr lang="en-US" sz="1800">
+              <a:rPr lang="en-US" sz="1800" dirty="0">
                 <a:solidFill>
                   <a:srgbClr val="174576"/>
                 </a:solidFill>
               </a:rPr>
-              <a:t> API/AT mode</a:t>
-            </a:r>
-            <a:r>
-              <a:rPr lang="en-US" sz="1800">
-                <a:solidFill>
-                  <a:srgbClr val="174576"/>
-                </a:solidFill>
-              </a:rPr>
-              <a:t>) </a:t>
+              <a:t> API/AT mode) </a:t>
             </a:r>
             <a:endParaRPr lang="en-US" altLang="zh-CN" sz="1800" dirty="0" smtClean="0"/>
           </a:p>
